--- a/docs/Credit_Card_Fraud_Detection_Project_ML.pptx
+++ b/docs/Credit_Card_Fraud_Detection_Project_ML.pptx
@@ -225,7 +225,7 @@
           <a:p>
             <a:fld id="{76613379-81C4-034E-89B5-C22DB21048F0}" type="datetimeFigureOut">
               <a:rPr lang="en-CH" smtClean="0"/>
-              <a:t>03.11.2024</a:t>
+              <a:t>05.11.2024</a:t>
             </a:fld>
             <a:endParaRPr lang="en-CH"/>
           </a:p>
@@ -407,7 +407,7 @@
           <a:p>
             <a:fld id="{4A738282-22DE-FD46-BC02-EAF10CC6B2C6}" type="datetimeFigureOut">
               <a:rPr lang="en-CH" smtClean="0"/>
-              <a:t>03.11.2024</a:t>
+              <a:t>05.11.2024</a:t>
             </a:fld>
             <a:endParaRPr lang="en-CH"/>
           </a:p>
@@ -868,7 +868,7 @@
             <a:fld id="{B61BEF0D-F0BB-DE4B-95CE-6DB70DBA9567}" type="datetimeFigureOut">
               <a:rPr lang="en-US" dirty="0"/>
               <a:pPr/>
-              <a:t>11/3/24</a:t>
+              <a:t>11/5/24</a:t>
             </a:fld>
             <a:endParaRPr lang="en-US" dirty="0"/>
           </a:p>
@@ -1301,7 +1301,7 @@
             <a:fld id="{B61BEF0D-F0BB-DE4B-95CE-6DB70DBA9567}" type="datetimeFigureOut">
               <a:rPr lang="en-US" dirty="0"/>
               <a:pPr/>
-              <a:t>11/3/24</a:t>
+              <a:t>11/5/24</a:t>
             </a:fld>
             <a:endParaRPr lang="en-US" dirty="0"/>
           </a:p>
@@ -1548,7 +1548,7 @@
             <a:fld id="{B61BEF0D-F0BB-DE4B-95CE-6DB70DBA9567}" type="datetimeFigureOut">
               <a:rPr lang="en-US" dirty="0"/>
               <a:pPr/>
-              <a:t>11/3/24</a:t>
+              <a:t>11/5/24</a:t>
             </a:fld>
             <a:endParaRPr lang="en-US" dirty="0"/>
           </a:p>
@@ -1853,7 +1853,7 @@
             <a:fld id="{B61BEF0D-F0BB-DE4B-95CE-6DB70DBA9567}" type="datetimeFigureOut">
               <a:rPr lang="en-US" dirty="0"/>
               <a:pPr/>
-              <a:t>11/3/24</a:t>
+              <a:t>11/5/24</a:t>
             </a:fld>
             <a:endParaRPr lang="en-US" dirty="0"/>
           </a:p>
@@ -2168,7 +2168,7 @@
             <a:fld id="{B61BEF0D-F0BB-DE4B-95CE-6DB70DBA9567}" type="datetimeFigureOut">
               <a:rPr lang="en-US" dirty="0"/>
               <a:pPr/>
-              <a:t>11/3/24</a:t>
+              <a:t>11/5/24</a:t>
             </a:fld>
             <a:endParaRPr lang="en-US" dirty="0"/>
           </a:p>
@@ -2467,7 +2467,7 @@
             <a:fld id="{B61BEF0D-F0BB-DE4B-95CE-6DB70DBA9567}" type="datetimeFigureOut">
               <a:rPr lang="en-US" dirty="0"/>
               <a:pPr/>
-              <a:t>11/3/24</a:t>
+              <a:t>11/5/24</a:t>
             </a:fld>
             <a:endParaRPr lang="en-US" dirty="0"/>
           </a:p>
@@ -2831,7 +2831,7 @@
             <a:fld id="{B61BEF0D-F0BB-DE4B-95CE-6DB70DBA9567}" type="datetimeFigureOut">
               <a:rPr lang="en-US" dirty="0"/>
               <a:pPr/>
-              <a:t>11/3/24</a:t>
+              <a:t>11/5/24</a:t>
             </a:fld>
             <a:endParaRPr lang="en-US" dirty="0"/>
           </a:p>
@@ -3002,7 +3002,7 @@
             <a:fld id="{B61BEF0D-F0BB-DE4B-95CE-6DB70DBA9567}" type="datetimeFigureOut">
               <a:rPr lang="en-US" dirty="0"/>
               <a:pPr/>
-              <a:t>11/3/24</a:t>
+              <a:t>11/5/24</a:t>
             </a:fld>
             <a:endParaRPr lang="en-US" dirty="0"/>
           </a:p>
@@ -3179,7 +3179,7 @@
             <a:fld id="{B61BEF0D-F0BB-DE4B-95CE-6DB70DBA9567}" type="datetimeFigureOut">
               <a:rPr lang="en-US" dirty="0"/>
               <a:pPr/>
-              <a:t>11/3/24</a:t>
+              <a:t>11/5/24</a:t>
             </a:fld>
             <a:endParaRPr lang="en-US" dirty="0"/>
           </a:p>
@@ -3346,7 +3346,7 @@
             <a:fld id="{B61BEF0D-F0BB-DE4B-95CE-6DB70DBA9567}" type="datetimeFigureOut">
               <a:rPr lang="en-US" dirty="0"/>
               <a:pPr/>
-              <a:t>11/3/24</a:t>
+              <a:t>11/5/24</a:t>
             </a:fld>
             <a:endParaRPr lang="en-US" dirty="0"/>
           </a:p>
@@ -3593,7 +3593,7 @@
             <a:fld id="{B61BEF0D-F0BB-DE4B-95CE-6DB70DBA9567}" type="datetimeFigureOut">
               <a:rPr lang="en-US" dirty="0"/>
               <a:pPr/>
-              <a:t>11/3/24</a:t>
+              <a:t>11/5/24</a:t>
             </a:fld>
             <a:endParaRPr lang="en-US" dirty="0"/>
           </a:p>
@@ -3826,7 +3826,7 @@
             <a:fld id="{B61BEF0D-F0BB-DE4B-95CE-6DB70DBA9567}" type="datetimeFigureOut">
               <a:rPr lang="en-US" dirty="0"/>
               <a:pPr/>
-              <a:t>11/3/24</a:t>
+              <a:t>11/5/24</a:t>
             </a:fld>
             <a:endParaRPr lang="en-US" dirty="0"/>
           </a:p>
@@ -4205,7 +4205,7 @@
             <a:fld id="{B61BEF0D-F0BB-DE4B-95CE-6DB70DBA9567}" type="datetimeFigureOut">
               <a:rPr lang="en-US" dirty="0"/>
               <a:pPr/>
-              <a:t>11/3/24</a:t>
+              <a:t>11/5/24</a:t>
             </a:fld>
             <a:endParaRPr lang="en-US" dirty="0"/>
           </a:p>
@@ -4320,7 +4320,7 @@
             <a:fld id="{B61BEF0D-F0BB-DE4B-95CE-6DB70DBA9567}" type="datetimeFigureOut">
               <a:rPr lang="en-US" dirty="0"/>
               <a:pPr/>
-              <a:t>11/3/24</a:t>
+              <a:t>11/5/24</a:t>
             </a:fld>
             <a:endParaRPr lang="en-US" dirty="0"/>
           </a:p>
@@ -4412,7 +4412,7 @@
             <a:fld id="{B61BEF0D-F0BB-DE4B-95CE-6DB70DBA9567}" type="datetimeFigureOut">
               <a:rPr lang="en-US" dirty="0"/>
               <a:pPr/>
-              <a:t>11/3/24</a:t>
+              <a:t>11/5/24</a:t>
             </a:fld>
             <a:endParaRPr lang="en-US" dirty="0"/>
           </a:p>
@@ -4664,7 +4664,7 @@
             <a:fld id="{B61BEF0D-F0BB-DE4B-95CE-6DB70DBA9567}" type="datetimeFigureOut">
               <a:rPr lang="en-US" dirty="0"/>
               <a:pPr/>
-              <a:t>11/3/24</a:t>
+              <a:t>11/5/24</a:t>
             </a:fld>
             <a:endParaRPr lang="en-US" dirty="0"/>
           </a:p>
@@ -4944,7 +4944,7 @@
             <a:fld id="{B61BEF0D-F0BB-DE4B-95CE-6DB70DBA9567}" type="datetimeFigureOut">
               <a:rPr lang="en-US" dirty="0"/>
               <a:pPr/>
-              <a:t>11/3/24</a:t>
+              <a:t>11/5/24</a:t>
             </a:fld>
             <a:endParaRPr lang="en-US" dirty="0"/>
           </a:p>
@@ -5376,7 +5376,7 @@
             <a:fld id="{B61BEF0D-F0BB-DE4B-95CE-6DB70DBA9567}" type="datetimeFigureOut">
               <a:rPr lang="en-US" dirty="0"/>
               <a:pPr/>
-              <a:t>11/3/24</a:t>
+              <a:t>11/5/24</a:t>
             </a:fld>
             <a:endParaRPr lang="en-US" dirty="0"/>
           </a:p>
@@ -6614,6 +6614,51 @@
               </a:rPr>
               <a:t> for scalable and efficient handling of large datasets.</a:t>
             </a:r>
+          </a:p>
+          <a:p>
+            <a:pPr marL="342900" indent="-342900">
+              <a:buFont typeface="Arial" panose="020B0604020202020204" pitchFamily="34" charset="0"/>
+              <a:buChar char="•"/>
+            </a:pPr>
+            <a:r>
+              <a:rPr lang="en-GB" sz="1800" dirty="0" err="1">
+                <a:solidFill>
+                  <a:schemeClr val="tx1"/>
+                </a:solidFill>
+              </a:rPr>
+              <a:t>Github</a:t>
+            </a:r>
+            <a:r>
+              <a:rPr lang="en-GB" sz="1800" dirty="0">
+                <a:solidFill>
+                  <a:schemeClr val="tx1"/>
+                </a:solidFill>
+              </a:rPr>
+              <a:t> Repository Link: </a:t>
+            </a:r>
+            <a:r>
+              <a:rPr lang="en-GB" sz="1800" dirty="0">
+                <a:solidFill>
+                  <a:schemeClr val="tx1"/>
+                </a:solidFill>
+                <a:hlinkClick r:id="rId2"/>
+              </a:rPr>
+              <a:t>https://github.com/sadhchanGitHub</a:t>
+            </a:r>
+            <a:r>
+              <a:rPr lang="en-GB" sz="1800">
+                <a:solidFill>
+                  <a:schemeClr val="tx1"/>
+                </a:solidFill>
+                <a:hlinkClick r:id="rId2"/>
+              </a:rPr>
+              <a:t>/ML_BigData_Repo_1</a:t>
+            </a:r>
+            <a:endParaRPr lang="en-GB" sz="1800" dirty="0">
+              <a:solidFill>
+                <a:schemeClr val="tx1"/>
+              </a:solidFill>
+            </a:endParaRPr>
           </a:p>
           <a:p>
             <a:endParaRPr lang="en-US" sz="700" b="1" dirty="0">
